--- a/data/dummy_data/Map_for_dummy_dataset.pptx
+++ b/data/dummy_data/Map_for_dummy_dataset.pptx
@@ -3319,6 +3319,115 @@
       </p:sp>
       <p:sp>
         <p:nvSpPr>
+          <p:cNvPr id="15" name="Right Arrow 14"/>
+          <p:cNvSpPr/>
+          <p:nvPr/>
+        </p:nvSpPr>
+        <p:spPr>
+          <a:xfrm rot="19898463" flipH="1">
+            <a:off x="838328" y="4798537"/>
+            <a:ext cx="5918687" cy="533400"/>
+          </a:xfrm>
+          <a:prstGeom prst="rightArrow">
+            <a:avLst/>
+          </a:prstGeom>
+          <a:solidFill>
+            <a:srgbClr val="92D050"/>
+          </a:solidFill>
+          <a:ln>
+            <a:noFill/>
+          </a:ln>
+        </p:spPr>
+        <p:style>
+          <a:lnRef idx="2">
+            <a:schemeClr val="accent1">
+              <a:shade val="50000"/>
+            </a:schemeClr>
+          </a:lnRef>
+          <a:fillRef idx="1">
+            <a:schemeClr val="accent1"/>
+          </a:fillRef>
+          <a:effectRef idx="0">
+            <a:schemeClr val="accent1"/>
+          </a:effectRef>
+          <a:fontRef idx="minor">
+            <a:schemeClr val="lt1"/>
+          </a:fontRef>
+        </p:style>
+        <p:txBody>
+          <a:bodyPr rtlCol="0" anchor="ctr"/>
+          <a:lstStyle/>
+          <a:p>
+            <a:pPr algn="ctr"/>
+            <a:r>
+              <a:rPr lang="en-US" dirty="0" smtClean="0"/>
+              <a:t>Peak position gradient</a:t>
+            </a:r>
+            <a:endParaRPr lang="en-US" dirty="0"/>
+          </a:p>
+        </p:txBody>
+      </p:sp>
+      <p:sp>
+        <p:nvSpPr>
+          <p:cNvPr id="16" name="Isosceles Triangle 15"/>
+          <p:cNvSpPr/>
+          <p:nvPr/>
+        </p:nvSpPr>
+        <p:spPr>
+          <a:xfrm>
+            <a:off x="2590800" y="2209800"/>
+            <a:ext cx="4066032" cy="3505200"/>
+          </a:xfrm>
+          <a:prstGeom prst="triangle">
+            <a:avLst/>
+          </a:prstGeom>
+          <a:solidFill>
+            <a:srgbClr val="FFC000">
+              <a:alpha val="50196"/>
+            </a:srgbClr>
+          </a:solidFill>
+          <a:ln>
+            <a:noFill/>
+          </a:ln>
+        </p:spPr>
+        <p:style>
+          <a:lnRef idx="2">
+            <a:schemeClr val="accent1">
+              <a:shade val="50000"/>
+            </a:schemeClr>
+          </a:lnRef>
+          <a:fillRef idx="1">
+            <a:schemeClr val="accent1"/>
+          </a:fillRef>
+          <a:effectRef idx="0">
+            <a:schemeClr val="accent1"/>
+          </a:effectRef>
+          <a:fontRef idx="minor">
+            <a:schemeClr val="lt1"/>
+          </a:fontRef>
+        </p:style>
+        <p:txBody>
+          <a:bodyPr rtlCol="0" anchor="ctr"/>
+          <a:lstStyle/>
+          <a:p>
+            <a:pPr algn="ctr"/>
+            <a:r>
+              <a:rPr lang="en-US" dirty="0" smtClean="0"/>
+              <a:t>amorphous peaks</a:t>
+            </a:r>
+          </a:p>
+          <a:p>
+            <a:pPr algn="ctr"/>
+            <a:r>
+              <a:rPr lang="en-US" dirty="0" smtClean="0"/>
+              <a:t>(large FWHM)</a:t>
+            </a:r>
+            <a:endParaRPr lang="en-US" dirty="0"/>
+          </a:p>
+        </p:txBody>
+      </p:sp>
+      <p:sp>
+        <p:nvSpPr>
           <p:cNvPr id="18" name="Isosceles Triangle 17"/>
           <p:cNvSpPr/>
           <p:nvPr/>
@@ -3366,115 +3475,6 @@
             <a:r>
               <a:rPr lang="en-US" dirty="0" smtClean="0"/>
               <a:t>High peak intensity</a:t>
-            </a:r>
-            <a:endParaRPr lang="en-US" dirty="0"/>
-          </a:p>
-        </p:txBody>
-      </p:sp>
-      <p:sp>
-        <p:nvSpPr>
-          <p:cNvPr id="16" name="Isosceles Triangle 15"/>
-          <p:cNvSpPr/>
-          <p:nvPr/>
-        </p:nvSpPr>
-        <p:spPr>
-          <a:xfrm>
-            <a:off x="2590800" y="2209800"/>
-            <a:ext cx="4066032" cy="3505200"/>
-          </a:xfrm>
-          <a:prstGeom prst="triangle">
-            <a:avLst/>
-          </a:prstGeom>
-          <a:solidFill>
-            <a:srgbClr val="FFC000">
-              <a:alpha val="50196"/>
-            </a:srgbClr>
-          </a:solidFill>
-          <a:ln>
-            <a:noFill/>
-          </a:ln>
-        </p:spPr>
-        <p:style>
-          <a:lnRef idx="2">
-            <a:schemeClr val="accent1">
-              <a:shade val="50000"/>
-            </a:schemeClr>
-          </a:lnRef>
-          <a:fillRef idx="1">
-            <a:schemeClr val="accent1"/>
-          </a:fillRef>
-          <a:effectRef idx="0">
-            <a:schemeClr val="accent1"/>
-          </a:effectRef>
-          <a:fontRef idx="minor">
-            <a:schemeClr val="lt1"/>
-          </a:fontRef>
-        </p:style>
-        <p:txBody>
-          <a:bodyPr rtlCol="0" anchor="ctr"/>
-          <a:lstStyle/>
-          <a:p>
-            <a:pPr algn="ctr"/>
-            <a:r>
-              <a:rPr lang="en-US" dirty="0" smtClean="0"/>
-              <a:t>amorphous peaks</a:t>
-            </a:r>
-          </a:p>
-          <a:p>
-            <a:pPr algn="ctr"/>
-            <a:r>
-              <a:rPr lang="en-US" dirty="0" smtClean="0"/>
-              <a:t>(large FWHM)</a:t>
-            </a:r>
-            <a:endParaRPr lang="en-US" dirty="0"/>
-          </a:p>
-        </p:txBody>
-      </p:sp>
-      <p:sp>
-        <p:nvSpPr>
-          <p:cNvPr id="15" name="Right Arrow 14"/>
-          <p:cNvSpPr/>
-          <p:nvPr/>
-        </p:nvSpPr>
-        <p:spPr>
-          <a:xfrm flipH="1">
-            <a:off x="2895600" y="3352800"/>
-            <a:ext cx="3352800" cy="533400"/>
-          </a:xfrm>
-          <a:prstGeom prst="rightArrow">
-            <a:avLst/>
-          </a:prstGeom>
-          <a:solidFill>
-            <a:srgbClr val="92D050"/>
-          </a:solidFill>
-          <a:ln>
-            <a:noFill/>
-          </a:ln>
-        </p:spPr>
-        <p:style>
-          <a:lnRef idx="2">
-            <a:schemeClr val="accent1">
-              <a:shade val="50000"/>
-            </a:schemeClr>
-          </a:lnRef>
-          <a:fillRef idx="1">
-            <a:schemeClr val="accent1"/>
-          </a:fillRef>
-          <a:effectRef idx="0">
-            <a:schemeClr val="accent1"/>
-          </a:effectRef>
-          <a:fontRef idx="minor">
-            <a:schemeClr val="lt1"/>
-          </a:fontRef>
-        </p:style>
-        <p:txBody>
-          <a:bodyPr rtlCol="0" anchor="ctr"/>
-          <a:lstStyle/>
-          <a:p>
-            <a:pPr algn="ctr"/>
-            <a:r>
-              <a:rPr lang="en-US" dirty="0" smtClean="0"/>
-              <a:t>Peak position gradient</a:t>
             </a:r>
             <a:endParaRPr lang="en-US" dirty="0"/>
           </a:p>

--- a/data/dummy_data/Map_for_dummy_dataset.pptx
+++ b/data/dummy_data/Map_for_dummy_dataset.pptx
@@ -3067,8 +3067,8 @@
         </p:nvSpPr>
         <p:spPr>
           <a:xfrm>
-            <a:off x="1194816" y="609600"/>
-            <a:ext cx="6806184" cy="5867400"/>
+            <a:off x="1194816" y="543910"/>
+            <a:ext cx="6882384" cy="5933090"/>
           </a:xfrm>
           <a:prstGeom prst="triangle">
             <a:avLst/>
@@ -3220,8 +3220,8 @@
         </p:nvSpPr>
         <p:spPr>
           <a:xfrm>
-            <a:off x="3291218" y="595563"/>
-            <a:ext cx="2613379" cy="2252913"/>
+            <a:off x="2590800" y="543909"/>
+            <a:ext cx="4066032" cy="3505201"/>
           </a:xfrm>
           <a:prstGeom prst="triangle">
             <a:avLst/>
@@ -3272,8 +3272,8 @@
         </p:nvSpPr>
         <p:spPr>
           <a:xfrm>
-            <a:off x="5387621" y="4224087"/>
-            <a:ext cx="2613379" cy="2252913"/>
+            <a:off x="3922775" y="2895599"/>
+            <a:ext cx="4154425" cy="3581401"/>
           </a:xfrm>
           <a:prstGeom prst="triangle">
             <a:avLst/>
@@ -3434,8 +3434,8 @@
         </p:nvSpPr>
         <p:spPr>
           <a:xfrm>
-            <a:off x="1194816" y="4216066"/>
-            <a:ext cx="2613379" cy="2252913"/>
+            <a:off x="1194816" y="2900718"/>
+            <a:ext cx="4139184" cy="3568262"/>
           </a:xfrm>
           <a:prstGeom prst="triangle">
             <a:avLst/>

--- a/data/dummy_data/Map_for_dummy_dataset.pptx
+++ b/data/dummy_data/Map_for_dummy_dataset.pptx
@@ -289,7 +289,7 @@
             <a:fld id="{1D8BD707-D9CF-40AE-B4C6-C98DA3205C09}" type="datetimeFigureOut">
               <a:rPr lang="en-US" smtClean="0"/>
               <a:pPr/>
-              <a:t>5/3/2017</a:t>
+              <a:t>5/25/2017</a:t>
             </a:fld>
             <a:endParaRPr lang="en-US"/>
           </a:p>
@@ -456,7 +456,7 @@
             <a:fld id="{1D8BD707-D9CF-40AE-B4C6-C98DA3205C09}" type="datetimeFigureOut">
               <a:rPr lang="en-US" smtClean="0"/>
               <a:pPr/>
-              <a:t>5/3/2017</a:t>
+              <a:t>5/25/2017</a:t>
             </a:fld>
             <a:endParaRPr lang="en-US"/>
           </a:p>
@@ -633,7 +633,7 @@
             <a:fld id="{1D8BD707-D9CF-40AE-B4C6-C98DA3205C09}" type="datetimeFigureOut">
               <a:rPr lang="en-US" smtClean="0"/>
               <a:pPr/>
-              <a:t>5/3/2017</a:t>
+              <a:t>5/25/2017</a:t>
             </a:fld>
             <a:endParaRPr lang="en-US"/>
           </a:p>
@@ -800,7 +800,7 @@
             <a:fld id="{1D8BD707-D9CF-40AE-B4C6-C98DA3205C09}" type="datetimeFigureOut">
               <a:rPr lang="en-US" smtClean="0"/>
               <a:pPr/>
-              <a:t>5/3/2017</a:t>
+              <a:t>5/25/2017</a:t>
             </a:fld>
             <a:endParaRPr lang="en-US"/>
           </a:p>
@@ -1043,7 +1043,7 @@
             <a:fld id="{1D8BD707-D9CF-40AE-B4C6-C98DA3205C09}" type="datetimeFigureOut">
               <a:rPr lang="en-US" smtClean="0"/>
               <a:pPr/>
-              <a:t>5/3/2017</a:t>
+              <a:t>5/25/2017</a:t>
             </a:fld>
             <a:endParaRPr lang="en-US"/>
           </a:p>
@@ -1328,7 +1328,7 @@
             <a:fld id="{1D8BD707-D9CF-40AE-B4C6-C98DA3205C09}" type="datetimeFigureOut">
               <a:rPr lang="en-US" smtClean="0"/>
               <a:pPr/>
-              <a:t>5/3/2017</a:t>
+              <a:t>5/25/2017</a:t>
             </a:fld>
             <a:endParaRPr lang="en-US"/>
           </a:p>
@@ -1747,7 +1747,7 @@
             <a:fld id="{1D8BD707-D9CF-40AE-B4C6-C98DA3205C09}" type="datetimeFigureOut">
               <a:rPr lang="en-US" smtClean="0"/>
               <a:pPr/>
-              <a:t>5/3/2017</a:t>
+              <a:t>5/25/2017</a:t>
             </a:fld>
             <a:endParaRPr lang="en-US"/>
           </a:p>
@@ -1862,7 +1862,7 @@
             <a:fld id="{1D8BD707-D9CF-40AE-B4C6-C98DA3205C09}" type="datetimeFigureOut">
               <a:rPr lang="en-US" smtClean="0"/>
               <a:pPr/>
-              <a:t>5/3/2017</a:t>
+              <a:t>5/25/2017</a:t>
             </a:fld>
             <a:endParaRPr lang="en-US"/>
           </a:p>
@@ -1954,7 +1954,7 @@
             <a:fld id="{1D8BD707-D9CF-40AE-B4C6-C98DA3205C09}" type="datetimeFigureOut">
               <a:rPr lang="en-US" smtClean="0"/>
               <a:pPr/>
-              <a:t>5/3/2017</a:t>
+              <a:t>5/25/2017</a:t>
             </a:fld>
             <a:endParaRPr lang="en-US"/>
           </a:p>
@@ -2228,7 +2228,7 @@
             <a:fld id="{1D8BD707-D9CF-40AE-B4C6-C98DA3205C09}" type="datetimeFigureOut">
               <a:rPr lang="en-US" smtClean="0"/>
               <a:pPr/>
-              <a:t>5/3/2017</a:t>
+              <a:t>5/25/2017</a:t>
             </a:fld>
             <a:endParaRPr lang="en-US"/>
           </a:p>
@@ -2478,7 +2478,7 @@
             <a:fld id="{1D8BD707-D9CF-40AE-B4C6-C98DA3205C09}" type="datetimeFigureOut">
               <a:rPr lang="en-US" smtClean="0"/>
               <a:pPr/>
-              <a:t>5/3/2017</a:t>
+              <a:t>5/25/2017</a:t>
             </a:fld>
             <a:endParaRPr lang="en-US"/>
           </a:p>
@@ -2688,7 +2688,7 @@
             <a:fld id="{1D8BD707-D9CF-40AE-B4C6-C98DA3205C09}" type="datetimeFigureOut">
               <a:rPr lang="en-US" smtClean="0"/>
               <a:pPr/>
-              <a:t>5/3/2017</a:t>
+              <a:t>5/25/2017</a:t>
             </a:fld>
             <a:endParaRPr lang="en-US"/>
           </a:p>
@@ -3130,7 +3130,7 @@
         </p:nvSpPr>
         <p:spPr>
           <a:xfrm>
-            <a:off x="4419600" y="164068"/>
+            <a:off x="6705600" y="3516868"/>
             <a:ext cx="317716" cy="369332"/>
           </a:xfrm>
           <a:prstGeom prst="rect">
@@ -3160,7 +3160,7 @@
         </p:nvSpPr>
         <p:spPr>
           <a:xfrm>
-            <a:off x="833300" y="6324600"/>
+            <a:off x="2303535" y="3429000"/>
             <a:ext cx="309700" cy="369332"/>
           </a:xfrm>
           <a:prstGeom prst="rect">
@@ -3190,7 +3190,7 @@
         </p:nvSpPr>
         <p:spPr>
           <a:xfrm>
-            <a:off x="8153400" y="6400800"/>
+            <a:off x="4416302" y="6553200"/>
             <a:ext cx="308098" cy="369332"/>
           </a:xfrm>
           <a:prstGeom prst="rect">
